--- a/Slide Deck - Predicting AAA Movies.pptx
+++ b/Slide Deck - Predicting AAA Movies.pptx
@@ -7,6 +7,18 @@
   <p:sldIdLst>
     <p:sldId id="256" r:id="rId2"/>
     <p:sldId id="257" r:id="rId3"/>
+    <p:sldId id="259" r:id="rId4"/>
+    <p:sldId id="260" r:id="rId5"/>
+    <p:sldId id="261" r:id="rId6"/>
+    <p:sldId id="262" r:id="rId7"/>
+    <p:sldId id="264" r:id="rId8"/>
+    <p:sldId id="265" r:id="rId9"/>
+    <p:sldId id="263" r:id="rId10"/>
+    <p:sldId id="258" r:id="rId11"/>
+    <p:sldId id="266" r:id="rId12"/>
+    <p:sldId id="267" r:id="rId13"/>
+    <p:sldId id="268" r:id="rId14"/>
+    <p:sldId id="270" r:id="rId15"/>
   </p:sldIdLst>
   <p:sldSz cx="12192000" cy="6858000"/>
   <p:notesSz cx="6858000" cy="9144000"/>
@@ -105,6 +117,11 @@
       </a:defRPr>
     </a:lvl9pPr>
   </p:defaultTextStyle>
+  <p:extLst>
+    <p:ext uri="{EFAFB233-063F-42B5-8137-9DF3F51BA10A}">
+      <p15:sldGuideLst xmlns:p15="http://schemas.microsoft.com/office/powerpoint/2012/main"/>
+    </p:ext>
+  </p:extLst>
 </p:presentation>
 </file>
 
@@ -257,7 +274,7 @@
           <a:p>
             <a:fld id="{B37ED902-7979-453E-877B-B1A961D0F1D8}" type="datetimeFigureOut">
               <a:rPr lang="en-PH" smtClean="0"/>
-              <a:t>12/6/2024</a:t>
+              <a:t>12/9/2024</a:t>
             </a:fld>
             <a:endParaRPr lang="en-PH"/>
           </a:p>
@@ -457,7 +474,7 @@
           <a:p>
             <a:fld id="{B37ED902-7979-453E-877B-B1A961D0F1D8}" type="datetimeFigureOut">
               <a:rPr lang="en-PH" smtClean="0"/>
-              <a:t>12/6/2024</a:t>
+              <a:t>12/9/2024</a:t>
             </a:fld>
             <a:endParaRPr lang="en-PH"/>
           </a:p>
@@ -667,7 +684,7 @@
           <a:p>
             <a:fld id="{B37ED902-7979-453E-877B-B1A961D0F1D8}" type="datetimeFigureOut">
               <a:rPr lang="en-PH" smtClean="0"/>
-              <a:t>12/6/2024</a:t>
+              <a:t>12/9/2024</a:t>
             </a:fld>
             <a:endParaRPr lang="en-PH"/>
           </a:p>
@@ -867,7 +884,7 @@
           <a:p>
             <a:fld id="{B37ED902-7979-453E-877B-B1A961D0F1D8}" type="datetimeFigureOut">
               <a:rPr lang="en-PH" smtClean="0"/>
-              <a:t>12/6/2024</a:t>
+              <a:t>12/9/2024</a:t>
             </a:fld>
             <a:endParaRPr lang="en-PH"/>
           </a:p>
@@ -1143,7 +1160,7 @@
           <a:p>
             <a:fld id="{B37ED902-7979-453E-877B-B1A961D0F1D8}" type="datetimeFigureOut">
               <a:rPr lang="en-PH" smtClean="0"/>
-              <a:t>12/6/2024</a:t>
+              <a:t>12/9/2024</a:t>
             </a:fld>
             <a:endParaRPr lang="en-PH"/>
           </a:p>
@@ -1411,7 +1428,7 @@
           <a:p>
             <a:fld id="{B37ED902-7979-453E-877B-B1A961D0F1D8}" type="datetimeFigureOut">
               <a:rPr lang="en-PH" smtClean="0"/>
-              <a:t>12/6/2024</a:t>
+              <a:t>12/9/2024</a:t>
             </a:fld>
             <a:endParaRPr lang="en-PH"/>
           </a:p>
@@ -1826,7 +1843,7 @@
           <a:p>
             <a:fld id="{B37ED902-7979-453E-877B-B1A961D0F1D8}" type="datetimeFigureOut">
               <a:rPr lang="en-PH" smtClean="0"/>
-              <a:t>12/6/2024</a:t>
+              <a:t>12/9/2024</a:t>
             </a:fld>
             <a:endParaRPr lang="en-PH"/>
           </a:p>
@@ -1968,7 +1985,7 @@
           <a:p>
             <a:fld id="{B37ED902-7979-453E-877B-B1A961D0F1D8}" type="datetimeFigureOut">
               <a:rPr lang="en-PH" smtClean="0"/>
-              <a:t>12/6/2024</a:t>
+              <a:t>12/9/2024</a:t>
             </a:fld>
             <a:endParaRPr lang="en-PH"/>
           </a:p>
@@ -2081,7 +2098,7 @@
           <a:p>
             <a:fld id="{B37ED902-7979-453E-877B-B1A961D0F1D8}" type="datetimeFigureOut">
               <a:rPr lang="en-PH" smtClean="0"/>
-              <a:t>12/6/2024</a:t>
+              <a:t>12/9/2024</a:t>
             </a:fld>
             <a:endParaRPr lang="en-PH"/>
           </a:p>
@@ -2394,7 +2411,7 @@
           <a:p>
             <a:fld id="{B37ED902-7979-453E-877B-B1A961D0F1D8}" type="datetimeFigureOut">
               <a:rPr lang="en-PH" smtClean="0"/>
-              <a:t>12/6/2024</a:t>
+              <a:t>12/9/2024</a:t>
             </a:fld>
             <a:endParaRPr lang="en-PH"/>
           </a:p>
@@ -2683,7 +2700,7 @@
           <a:p>
             <a:fld id="{B37ED902-7979-453E-877B-B1A961D0F1D8}" type="datetimeFigureOut">
               <a:rPr lang="en-PH" smtClean="0"/>
-              <a:t>12/6/2024</a:t>
+              <a:t>12/9/2024</a:t>
             </a:fld>
             <a:endParaRPr lang="en-PH"/>
           </a:p>
@@ -2926,7 +2943,7 @@
           <a:p>
             <a:fld id="{B37ED902-7979-453E-877B-B1A961D0F1D8}" type="datetimeFigureOut">
               <a:rPr lang="en-PH" smtClean="0"/>
-              <a:t>12/6/2024</a:t>
+              <a:t>12/9/2024</a:t>
             </a:fld>
             <a:endParaRPr lang="en-PH"/>
           </a:p>
@@ -3414,6 +3431,546 @@
 </p:sld>
 </file>
 
+<file path=ppt/slides/slide10.xml><?xml version="1.0" encoding="utf-8"?>
+<p:sld xmlns:a="http://schemas.openxmlformats.org/drawingml/2006/main" xmlns:r="http://schemas.openxmlformats.org/officeDocument/2006/relationships" xmlns:p="http://schemas.openxmlformats.org/presentationml/2006/main">
+  <p:cSld>
+    <p:spTree>
+      <p:nvGrpSpPr>
+        <p:cNvPr id="1" name=""/>
+        <p:cNvGrpSpPr/>
+        <p:nvPr/>
+      </p:nvGrpSpPr>
+      <p:grpSpPr>
+        <a:xfrm>
+          <a:off x="0" y="0"/>
+          <a:ext cx="0" cy="0"/>
+          <a:chOff x="0" y="0"/>
+          <a:chExt cx="0" cy="0"/>
+        </a:xfrm>
+      </p:grpSpPr>
+      <p:sp>
+        <p:nvSpPr>
+          <p:cNvPr id="2" name="Title 1">
+            <a:extLst>
+              <a:ext uri="{FF2B5EF4-FFF2-40B4-BE49-F238E27FC236}">
+                <a16:creationId xmlns:a16="http://schemas.microsoft.com/office/drawing/2014/main" id="{E2D2D689-F99F-1ACA-7ED9-6E2EA4D8EB21}"/>
+              </a:ext>
+            </a:extLst>
+          </p:cNvPr>
+          <p:cNvSpPr>
+            <a:spLocks noGrp="1"/>
+          </p:cNvSpPr>
+          <p:nvPr>
+            <p:ph type="title"/>
+          </p:nvPr>
+        </p:nvSpPr>
+        <p:spPr>
+          <a:xfrm>
+            <a:off x="838200" y="365126"/>
+            <a:ext cx="10515600" cy="926962"/>
+          </a:xfrm>
+        </p:spPr>
+        <p:txBody>
+          <a:bodyPr/>
+          <a:lstStyle/>
+          <a:p>
+            <a:r>
+              <a:rPr lang="en-GB" dirty="0"/>
+              <a:t>Gain Feature Importance Plot</a:t>
+            </a:r>
+            <a:endParaRPr lang="en-PH" dirty="0"/>
+          </a:p>
+        </p:txBody>
+      </p:sp>
+      <p:pic>
+        <p:nvPicPr>
+          <p:cNvPr id="9" name="Content Placeholder 8">
+            <a:extLst>
+              <a:ext uri="{FF2B5EF4-FFF2-40B4-BE49-F238E27FC236}">
+                <a16:creationId xmlns:a16="http://schemas.microsoft.com/office/drawing/2014/main" id="{C787B25B-D3E5-BD4C-77C9-85238B4FB76A}"/>
+              </a:ext>
+            </a:extLst>
+          </p:cNvPr>
+          <p:cNvPicPr>
+            <a:picLocks noGrp="1" noChangeAspect="1"/>
+          </p:cNvPicPr>
+          <p:nvPr>
+            <p:ph idx="1"/>
+          </p:nvPr>
+        </p:nvPicPr>
+        <p:blipFill>
+          <a:blip r:embed="rId2"/>
+          <a:stretch>
+            <a:fillRect/>
+          </a:stretch>
+        </p:blipFill>
+        <p:spPr>
+          <a:xfrm>
+            <a:off x="1108139" y="1292087"/>
+            <a:ext cx="9442629" cy="5018895"/>
+          </a:xfrm>
+        </p:spPr>
+      </p:pic>
+    </p:spTree>
+    <p:extLst>
+      <p:ext uri="{BB962C8B-B14F-4D97-AF65-F5344CB8AC3E}">
+        <p14:creationId xmlns:p14="http://schemas.microsoft.com/office/powerpoint/2010/main" val="2720989840"/>
+      </p:ext>
+    </p:extLst>
+  </p:cSld>
+  <p:clrMapOvr>
+    <a:masterClrMapping/>
+  </p:clrMapOvr>
+</p:sld>
+</file>
+
+<file path=ppt/slides/slide11.xml><?xml version="1.0" encoding="utf-8"?>
+<p:sld xmlns:a="http://schemas.openxmlformats.org/drawingml/2006/main" xmlns:r="http://schemas.openxmlformats.org/officeDocument/2006/relationships" xmlns:p="http://schemas.openxmlformats.org/presentationml/2006/main">
+  <p:cSld>
+    <p:spTree>
+      <p:nvGrpSpPr>
+        <p:cNvPr id="1" name=""/>
+        <p:cNvGrpSpPr/>
+        <p:nvPr/>
+      </p:nvGrpSpPr>
+      <p:grpSpPr>
+        <a:xfrm>
+          <a:off x="0" y="0"/>
+          <a:ext cx="0" cy="0"/>
+          <a:chOff x="0" y="0"/>
+          <a:chExt cx="0" cy="0"/>
+        </a:xfrm>
+      </p:grpSpPr>
+      <p:sp>
+        <p:nvSpPr>
+          <p:cNvPr id="2" name="Title 1">
+            <a:extLst>
+              <a:ext uri="{FF2B5EF4-FFF2-40B4-BE49-F238E27FC236}">
+                <a16:creationId xmlns:a16="http://schemas.microsoft.com/office/drawing/2014/main" id="{25587D0B-0371-B6DA-32C1-7CBC714B5C7C}"/>
+              </a:ext>
+            </a:extLst>
+          </p:cNvPr>
+          <p:cNvSpPr>
+            <a:spLocks noGrp="1"/>
+          </p:cNvSpPr>
+          <p:nvPr>
+            <p:ph type="title"/>
+          </p:nvPr>
+        </p:nvSpPr>
+        <p:spPr>
+          <a:xfrm>
+            <a:off x="838200" y="365126"/>
+            <a:ext cx="10515600" cy="794440"/>
+          </a:xfrm>
+        </p:spPr>
+        <p:txBody>
+          <a:bodyPr/>
+          <a:lstStyle/>
+          <a:p>
+            <a:r>
+              <a:rPr lang="en-GB" dirty="0"/>
+              <a:t>SHAP values plot</a:t>
+            </a:r>
+            <a:endParaRPr lang="en-PH" dirty="0"/>
+          </a:p>
+        </p:txBody>
+      </p:sp>
+      <p:pic>
+        <p:nvPicPr>
+          <p:cNvPr id="9" name="Content Placeholder 8">
+            <a:extLst>
+              <a:ext uri="{FF2B5EF4-FFF2-40B4-BE49-F238E27FC236}">
+                <a16:creationId xmlns:a16="http://schemas.microsoft.com/office/drawing/2014/main" id="{196192B3-C6F1-6869-00ED-A2ED59EAEA69}"/>
+              </a:ext>
+            </a:extLst>
+          </p:cNvPr>
+          <p:cNvPicPr>
+            <a:picLocks noGrp="1" noChangeAspect="1"/>
+          </p:cNvPicPr>
+          <p:nvPr>
+            <p:ph idx="1"/>
+          </p:nvPr>
+        </p:nvPicPr>
+        <p:blipFill>
+          <a:blip r:embed="rId2"/>
+          <a:stretch>
+            <a:fillRect/>
+          </a:stretch>
+        </p:blipFill>
+        <p:spPr>
+          <a:xfrm>
+            <a:off x="3604083" y="1044868"/>
+            <a:ext cx="4541111" cy="5459644"/>
+          </a:xfrm>
+        </p:spPr>
+      </p:pic>
+    </p:spTree>
+    <p:extLst>
+      <p:ext uri="{BB962C8B-B14F-4D97-AF65-F5344CB8AC3E}">
+        <p14:creationId xmlns:p14="http://schemas.microsoft.com/office/powerpoint/2010/main" val="3468242285"/>
+      </p:ext>
+    </p:extLst>
+  </p:cSld>
+  <p:clrMapOvr>
+    <a:masterClrMapping/>
+  </p:clrMapOvr>
+</p:sld>
+</file>
+
+<file path=ppt/slides/slide12.xml><?xml version="1.0" encoding="utf-8"?>
+<p:sld xmlns:a="http://schemas.openxmlformats.org/drawingml/2006/main" xmlns:r="http://schemas.openxmlformats.org/officeDocument/2006/relationships" xmlns:p="http://schemas.openxmlformats.org/presentationml/2006/main">
+  <p:cSld>
+    <p:spTree>
+      <p:nvGrpSpPr>
+        <p:cNvPr id="1" name=""/>
+        <p:cNvGrpSpPr/>
+        <p:nvPr/>
+      </p:nvGrpSpPr>
+      <p:grpSpPr>
+        <a:xfrm>
+          <a:off x="0" y="0"/>
+          <a:ext cx="0" cy="0"/>
+          <a:chOff x="0" y="0"/>
+          <a:chExt cx="0" cy="0"/>
+        </a:xfrm>
+      </p:grpSpPr>
+      <p:sp>
+        <p:nvSpPr>
+          <p:cNvPr id="2" name="Title 1">
+            <a:extLst>
+              <a:ext uri="{FF2B5EF4-FFF2-40B4-BE49-F238E27FC236}">
+                <a16:creationId xmlns:a16="http://schemas.microsoft.com/office/drawing/2014/main" id="{02A22358-B723-BFBE-9367-1D50168DE6FA}"/>
+              </a:ext>
+            </a:extLst>
+          </p:cNvPr>
+          <p:cNvSpPr>
+            <a:spLocks noGrp="1"/>
+          </p:cNvSpPr>
+          <p:nvPr>
+            <p:ph type="title"/>
+          </p:nvPr>
+        </p:nvSpPr>
+        <p:spPr/>
+        <p:txBody>
+          <a:bodyPr/>
+          <a:lstStyle/>
+          <a:p>
+            <a:r>
+              <a:rPr lang="en-GB" dirty="0"/>
+              <a:t>Findings</a:t>
+            </a:r>
+            <a:endParaRPr lang="en-PH" dirty="0"/>
+          </a:p>
+        </p:txBody>
+      </p:sp>
+      <p:sp>
+        <p:nvSpPr>
+          <p:cNvPr id="3" name="Content Placeholder 2">
+            <a:extLst>
+              <a:ext uri="{FF2B5EF4-FFF2-40B4-BE49-F238E27FC236}">
+                <a16:creationId xmlns:a16="http://schemas.microsoft.com/office/drawing/2014/main" id="{41B474B4-0B02-B99C-F591-7B7F4F38D269}"/>
+              </a:ext>
+            </a:extLst>
+          </p:cNvPr>
+          <p:cNvSpPr>
+            <a:spLocks noGrp="1"/>
+          </p:cNvSpPr>
+          <p:nvPr>
+            <p:ph idx="1"/>
+          </p:nvPr>
+        </p:nvSpPr>
+        <p:spPr/>
+        <p:txBody>
+          <a:bodyPr/>
+          <a:lstStyle/>
+          <a:p>
+            <a:r>
+              <a:rPr lang="en-GB" dirty="0"/>
+              <a:t>Indeed, the most important thing for box office success is having high-profile directors and actors!</a:t>
+            </a:r>
+          </a:p>
+          <a:p>
+            <a:r>
+              <a:rPr lang="en-GB" dirty="0"/>
+              <a:t>Higher budget tends to result in higher revenue</a:t>
+            </a:r>
+          </a:p>
+          <a:p>
+            <a:r>
+              <a:rPr lang="en-GB" dirty="0"/>
+              <a:t>Longer runtime tends to result in higher revenue</a:t>
+            </a:r>
+          </a:p>
+          <a:p>
+            <a:r>
+              <a:rPr lang="en-GB" dirty="0"/>
+              <a:t>Mystery, Drama, Animation and Adventure genres perform well</a:t>
+            </a:r>
+            <a:endParaRPr lang="en-PH" dirty="0"/>
+          </a:p>
+        </p:txBody>
+      </p:sp>
+    </p:spTree>
+    <p:extLst>
+      <p:ext uri="{BB962C8B-B14F-4D97-AF65-F5344CB8AC3E}">
+        <p14:creationId xmlns:p14="http://schemas.microsoft.com/office/powerpoint/2010/main" val="2127969210"/>
+      </p:ext>
+    </p:extLst>
+  </p:cSld>
+  <p:clrMapOvr>
+    <a:masterClrMapping/>
+  </p:clrMapOvr>
+</p:sld>
+</file>
+
+<file path=ppt/slides/slide13.xml><?xml version="1.0" encoding="utf-8"?>
+<p:sld xmlns:a="http://schemas.openxmlformats.org/drawingml/2006/main" xmlns:r="http://schemas.openxmlformats.org/officeDocument/2006/relationships" xmlns:p="http://schemas.openxmlformats.org/presentationml/2006/main">
+  <p:cSld>
+    <p:spTree>
+      <p:nvGrpSpPr>
+        <p:cNvPr id="1" name=""/>
+        <p:cNvGrpSpPr/>
+        <p:nvPr/>
+      </p:nvGrpSpPr>
+      <p:grpSpPr>
+        <a:xfrm>
+          <a:off x="0" y="0"/>
+          <a:ext cx="0" cy="0"/>
+          <a:chOff x="0" y="0"/>
+          <a:chExt cx="0" cy="0"/>
+        </a:xfrm>
+      </p:grpSpPr>
+      <p:sp>
+        <p:nvSpPr>
+          <p:cNvPr id="2" name="Title 1">
+            <a:extLst>
+              <a:ext uri="{FF2B5EF4-FFF2-40B4-BE49-F238E27FC236}">
+                <a16:creationId xmlns:a16="http://schemas.microsoft.com/office/drawing/2014/main" id="{0FEE0B73-497B-779C-D491-4F49838C0DD9}"/>
+              </a:ext>
+            </a:extLst>
+          </p:cNvPr>
+          <p:cNvSpPr>
+            <a:spLocks noGrp="1"/>
+          </p:cNvSpPr>
+          <p:nvPr>
+            <p:ph type="title"/>
+          </p:nvPr>
+        </p:nvSpPr>
+        <p:spPr>
+          <a:xfrm>
+            <a:off x="838200" y="365125"/>
+            <a:ext cx="10515600" cy="860701"/>
+          </a:xfrm>
+        </p:spPr>
+        <p:txBody>
+          <a:bodyPr/>
+          <a:lstStyle/>
+          <a:p>
+            <a:r>
+              <a:rPr lang="en-GB" dirty="0"/>
+              <a:t>Alternate prediction model</a:t>
+            </a:r>
+            <a:endParaRPr lang="en-PH" dirty="0"/>
+          </a:p>
+        </p:txBody>
+      </p:sp>
+      <p:sp>
+        <p:nvSpPr>
+          <p:cNvPr id="3" name="Content Placeholder 2">
+            <a:extLst>
+              <a:ext uri="{FF2B5EF4-FFF2-40B4-BE49-F238E27FC236}">
+                <a16:creationId xmlns:a16="http://schemas.microsoft.com/office/drawing/2014/main" id="{EE30B8F6-E7E4-33C1-92AD-6F3975EA01FB}"/>
+              </a:ext>
+            </a:extLst>
+          </p:cNvPr>
+          <p:cNvSpPr>
+            <a:spLocks noGrp="1"/>
+          </p:cNvSpPr>
+          <p:nvPr>
+            <p:ph idx="1"/>
+          </p:nvPr>
+        </p:nvSpPr>
+        <p:spPr>
+          <a:xfrm>
+            <a:off x="838200" y="1285461"/>
+            <a:ext cx="10515600" cy="4891502"/>
+          </a:xfrm>
+        </p:spPr>
+        <p:txBody>
+          <a:bodyPr/>
+          <a:lstStyle/>
+          <a:p>
+            <a:r>
+              <a:rPr lang="en-GB" dirty="0"/>
+              <a:t>Given more time, I wanted to use a transformer-based regression model</a:t>
+            </a:r>
+          </a:p>
+          <a:p>
+            <a:r>
+              <a:rPr lang="en-GB" dirty="0" err="1"/>
+              <a:t>DistilBERT</a:t>
+            </a:r>
+            <a:r>
+              <a:rPr lang="en-GB" dirty="0"/>
+              <a:t> from </a:t>
+            </a:r>
+            <a:r>
+              <a:rPr lang="en-GB" dirty="0" err="1"/>
+              <a:t>HuggingFace</a:t>
+            </a:r>
+            <a:endParaRPr lang="en-GB" dirty="0"/>
+          </a:p>
+          <a:p>
+            <a:r>
+              <a:rPr lang="en-GB" dirty="0"/>
+              <a:t>When predicting a movie’s performance, we feed the model a sequence of the previous works of the actors, director and writer for the movie</a:t>
+            </a:r>
+          </a:p>
+          <a:p>
+            <a:r>
+              <a:rPr lang="en-GB" dirty="0" err="1"/>
+              <a:t>DistilBERT</a:t>
+            </a:r>
+            <a:r>
+              <a:rPr lang="en-GB" dirty="0"/>
+              <a:t> allows for NLP features</a:t>
+            </a:r>
+          </a:p>
+          <a:p>
+            <a:r>
+              <a:rPr lang="en-GB" sz="1400" dirty="0"/>
+              <a:t>Reference: Sanh et al (2020) </a:t>
+            </a:r>
+            <a:r>
+              <a:rPr lang="en-GB" sz="1400" i="0" dirty="0" err="1">
+                <a:solidFill>
+                  <a:srgbClr val="000000"/>
+                </a:solidFill>
+                <a:effectLst/>
+                <a:latin typeface="Lucida Grande"/>
+              </a:rPr>
+              <a:t>DistilBERT</a:t>
+            </a:r>
+            <a:r>
+              <a:rPr lang="en-GB" sz="1400" i="0" dirty="0">
+                <a:solidFill>
+                  <a:srgbClr val="000000"/>
+                </a:solidFill>
+                <a:effectLst/>
+                <a:latin typeface="Lucida Grande"/>
+              </a:rPr>
+              <a:t>, a distilled version of BERT: smaller, faster, cheaper and lighter</a:t>
+            </a:r>
+          </a:p>
+          <a:p>
+            <a:pPr marL="0" indent="0">
+              <a:buNone/>
+            </a:pPr>
+            <a:r>
+              <a:rPr lang="en-GB" sz="1400" dirty="0"/>
+              <a:t>	(https://arxiv.org/abs/1910.01108)</a:t>
+            </a:r>
+            <a:endParaRPr lang="en-PH" sz="1400" dirty="0"/>
+          </a:p>
+        </p:txBody>
+      </p:sp>
+    </p:spTree>
+    <p:extLst>
+      <p:ext uri="{BB962C8B-B14F-4D97-AF65-F5344CB8AC3E}">
+        <p14:creationId xmlns:p14="http://schemas.microsoft.com/office/powerpoint/2010/main" val="208057020"/>
+      </p:ext>
+    </p:extLst>
+  </p:cSld>
+  <p:clrMapOvr>
+    <a:masterClrMapping/>
+  </p:clrMapOvr>
+</p:sld>
+</file>
+
+<file path=ppt/slides/slide14.xml><?xml version="1.0" encoding="utf-8"?>
+<p:sld xmlns:a="http://schemas.openxmlformats.org/drawingml/2006/main" xmlns:r="http://schemas.openxmlformats.org/officeDocument/2006/relationships" xmlns:p="http://schemas.openxmlformats.org/presentationml/2006/main">
+  <p:cSld>
+    <p:spTree>
+      <p:nvGrpSpPr>
+        <p:cNvPr id="1" name=""/>
+        <p:cNvGrpSpPr/>
+        <p:nvPr/>
+      </p:nvGrpSpPr>
+      <p:grpSpPr>
+        <a:xfrm>
+          <a:off x="0" y="0"/>
+          <a:ext cx="0" cy="0"/>
+          <a:chOff x="0" y="0"/>
+          <a:chExt cx="0" cy="0"/>
+        </a:xfrm>
+      </p:grpSpPr>
+      <p:sp>
+        <p:nvSpPr>
+          <p:cNvPr id="2" name="Title 1">
+            <a:extLst>
+              <a:ext uri="{FF2B5EF4-FFF2-40B4-BE49-F238E27FC236}">
+                <a16:creationId xmlns:a16="http://schemas.microsoft.com/office/drawing/2014/main" id="{A46D20FE-D496-B7F9-C397-9F6FF1D67672}"/>
+              </a:ext>
+            </a:extLst>
+          </p:cNvPr>
+          <p:cNvSpPr>
+            <a:spLocks noGrp="1"/>
+          </p:cNvSpPr>
+          <p:nvPr>
+            <p:ph type="ctrTitle"/>
+          </p:nvPr>
+        </p:nvSpPr>
+        <p:spPr/>
+        <p:txBody>
+          <a:bodyPr/>
+          <a:lstStyle/>
+          <a:p>
+            <a:r>
+              <a:rPr lang="en-GB" dirty="0"/>
+              <a:t>Thank you!</a:t>
+            </a:r>
+            <a:endParaRPr lang="en-PH" dirty="0"/>
+          </a:p>
+        </p:txBody>
+      </p:sp>
+      <p:sp>
+        <p:nvSpPr>
+          <p:cNvPr id="3" name="Subtitle 2">
+            <a:extLst>
+              <a:ext uri="{FF2B5EF4-FFF2-40B4-BE49-F238E27FC236}">
+                <a16:creationId xmlns:a16="http://schemas.microsoft.com/office/drawing/2014/main" id="{75E9173C-99F9-A169-D082-D77F0B574F2C}"/>
+              </a:ext>
+            </a:extLst>
+          </p:cNvPr>
+          <p:cNvSpPr>
+            <a:spLocks noGrp="1"/>
+          </p:cNvSpPr>
+          <p:nvPr>
+            <p:ph type="subTitle" idx="1"/>
+          </p:nvPr>
+        </p:nvSpPr>
+        <p:spPr/>
+        <p:txBody>
+          <a:bodyPr/>
+          <a:lstStyle/>
+          <a:p>
+            <a:endParaRPr lang="en-PH"/>
+          </a:p>
+        </p:txBody>
+      </p:sp>
+    </p:spTree>
+    <p:extLst>
+      <p:ext uri="{BB962C8B-B14F-4D97-AF65-F5344CB8AC3E}">
+        <p14:creationId xmlns:p14="http://schemas.microsoft.com/office/powerpoint/2010/main" val="2625417344"/>
+      </p:ext>
+    </p:extLst>
+  </p:cSld>
+  <p:clrMapOvr>
+    <a:masterClrMapping/>
+  </p:clrMapOvr>
+</p:sld>
+</file>
+
 <file path=ppt/slides/slide2.xml><?xml version="1.0" encoding="utf-8"?>
 <p:sld xmlns:a="http://schemas.openxmlformats.org/drawingml/2006/main" xmlns:r="http://schemas.openxmlformats.org/officeDocument/2006/relationships" xmlns:p="http://schemas.openxmlformats.org/presentationml/2006/main">
   <p:cSld>
@@ -3452,7 +4009,11 @@
           <a:bodyPr/>
           <a:lstStyle/>
           <a:p>
-            <a:endParaRPr lang="en-PH"/>
+            <a:r>
+              <a:rPr lang="en-GB" dirty="0"/>
+              <a:t>Goal: Predict which movies will be AAA!</a:t>
+            </a:r>
+            <a:endParaRPr lang="en-PH" dirty="0"/>
           </a:p>
         </p:txBody>
       </p:sp>
@@ -3479,15 +4040,40 @@
           <a:p>
             <a:r>
               <a:rPr lang="en-GB" dirty="0"/>
-              <a:t>I am still currently working on the slides, but I will update this </a:t>
-            </a:r>
-            <a:r>
-              <a:rPr lang="en-GB" dirty="0" err="1"/>
-              <a:t>Github</a:t>
-            </a:r>
+              <a:t>The data available does not include box office revenue, only IMDb user ratings</a:t>
+            </a:r>
+          </a:p>
+          <a:p>
             <a:r>
               <a:rPr lang="en-GB" dirty="0"/>
-              <a:t> repo ASAP. I ask for your kind understanding with my tardy output. I was sick since yesterday, so it was difficult to work.</a:t>
+              <a:t>Widely-accepted definition of AAA movie: </a:t>
+            </a:r>
+          </a:p>
+          <a:p>
+            <a:pPr lvl="1"/>
+            <a:r>
+              <a:rPr lang="en-GB" dirty="0"/>
+              <a:t>Large budget</a:t>
+            </a:r>
+          </a:p>
+          <a:p>
+            <a:pPr lvl="1"/>
+            <a:r>
+              <a:rPr lang="en-GB" dirty="0"/>
+              <a:t>High-profile actors</a:t>
+            </a:r>
+          </a:p>
+          <a:p>
+            <a:pPr lvl="1"/>
+            <a:r>
+              <a:rPr lang="en-GB" dirty="0"/>
+              <a:t>Strong box office expectations</a:t>
+            </a:r>
+          </a:p>
+          <a:p>
+            <a:r>
+              <a:rPr lang="en-GB" dirty="0"/>
+              <a:t>We must use revenue data</a:t>
             </a:r>
             <a:endParaRPr lang="en-PH" dirty="0"/>
           </a:p>
@@ -3497,6 +4083,1041 @@
     <p:extLst>
       <p:ext uri="{BB962C8B-B14F-4D97-AF65-F5344CB8AC3E}">
         <p14:creationId xmlns:p14="http://schemas.microsoft.com/office/powerpoint/2010/main" val="2933633306"/>
+      </p:ext>
+    </p:extLst>
+  </p:cSld>
+  <p:clrMapOvr>
+    <a:masterClrMapping/>
+  </p:clrMapOvr>
+</p:sld>
+</file>
+
+<file path=ppt/slides/slide3.xml><?xml version="1.0" encoding="utf-8"?>
+<p:sld xmlns:a="http://schemas.openxmlformats.org/drawingml/2006/main" xmlns:r="http://schemas.openxmlformats.org/officeDocument/2006/relationships" xmlns:p="http://schemas.openxmlformats.org/presentationml/2006/main">
+  <p:cSld>
+    <p:spTree>
+      <p:nvGrpSpPr>
+        <p:cNvPr id="1" name=""/>
+        <p:cNvGrpSpPr/>
+        <p:nvPr/>
+      </p:nvGrpSpPr>
+      <p:grpSpPr>
+        <a:xfrm>
+          <a:off x="0" y="0"/>
+          <a:ext cx="0" cy="0"/>
+          <a:chOff x="0" y="0"/>
+          <a:chExt cx="0" cy="0"/>
+        </a:xfrm>
+      </p:grpSpPr>
+      <p:sp>
+        <p:nvSpPr>
+          <p:cNvPr id="2" name="Title 1">
+            <a:extLst>
+              <a:ext uri="{FF2B5EF4-FFF2-40B4-BE49-F238E27FC236}">
+                <a16:creationId xmlns:a16="http://schemas.microsoft.com/office/drawing/2014/main" id="{71A2C0FD-52CE-7BFD-D26F-7D1C14A72B2A}"/>
+              </a:ext>
+            </a:extLst>
+          </p:cNvPr>
+          <p:cNvSpPr>
+            <a:spLocks noGrp="1"/>
+          </p:cNvSpPr>
+          <p:nvPr>
+            <p:ph type="title"/>
+          </p:nvPr>
+        </p:nvSpPr>
+        <p:spPr/>
+        <p:txBody>
+          <a:bodyPr/>
+          <a:lstStyle/>
+          <a:p>
+            <a:r>
+              <a:rPr lang="en-GB" dirty="0"/>
+              <a:t>Data sources</a:t>
+            </a:r>
+            <a:endParaRPr lang="en-PH" dirty="0"/>
+          </a:p>
+        </p:txBody>
+      </p:sp>
+      <p:sp>
+        <p:nvSpPr>
+          <p:cNvPr id="3" name="Content Placeholder 2">
+            <a:extLst>
+              <a:ext uri="{FF2B5EF4-FFF2-40B4-BE49-F238E27FC236}">
+                <a16:creationId xmlns:a16="http://schemas.microsoft.com/office/drawing/2014/main" id="{054EFBEE-FD55-1195-1036-C2A320D8AF58}"/>
+              </a:ext>
+            </a:extLst>
+          </p:cNvPr>
+          <p:cNvSpPr>
+            <a:spLocks noGrp="1"/>
+          </p:cNvSpPr>
+          <p:nvPr>
+            <p:ph idx="1"/>
+          </p:nvPr>
+        </p:nvSpPr>
+        <p:spPr/>
+        <p:txBody>
+          <a:bodyPr/>
+          <a:lstStyle/>
+          <a:p>
+            <a:r>
+              <a:rPr lang="en-GB" dirty="0"/>
+              <a:t>IMDb Non-commercial datasets</a:t>
+            </a:r>
+          </a:p>
+          <a:p>
+            <a:pPr lvl="1"/>
+            <a:r>
+              <a:rPr lang="en-GB" dirty="0"/>
+              <a:t>User ratings</a:t>
+            </a:r>
+          </a:p>
+          <a:p>
+            <a:r>
+              <a:rPr lang="en-GB" dirty="0" err="1"/>
+              <a:t>MovieLens</a:t>
+            </a:r>
+            <a:r>
+              <a:rPr lang="en-GB" dirty="0"/>
+              <a:t> 32M dataset (2023)</a:t>
+            </a:r>
+          </a:p>
+          <a:p>
+            <a:r>
+              <a:rPr lang="en-GB" dirty="0"/>
+              <a:t>TMDB 1M dataset from Kaggle</a:t>
+            </a:r>
+          </a:p>
+          <a:p>
+            <a:pPr lvl="1"/>
+            <a:r>
+              <a:rPr lang="en-GB" dirty="0"/>
+              <a:t>Release dates</a:t>
+            </a:r>
+          </a:p>
+          <a:p>
+            <a:pPr lvl="1"/>
+            <a:r>
+              <a:rPr lang="en-GB" dirty="0"/>
+              <a:t>Budget and Revenue</a:t>
+            </a:r>
+            <a:endParaRPr lang="en-PH" dirty="0"/>
+          </a:p>
+        </p:txBody>
+      </p:sp>
+    </p:spTree>
+    <p:extLst>
+      <p:ext uri="{BB962C8B-B14F-4D97-AF65-F5344CB8AC3E}">
+        <p14:creationId xmlns:p14="http://schemas.microsoft.com/office/powerpoint/2010/main" val="1754466556"/>
+      </p:ext>
+    </p:extLst>
+  </p:cSld>
+  <p:clrMapOvr>
+    <a:masterClrMapping/>
+  </p:clrMapOvr>
+</p:sld>
+</file>
+
+<file path=ppt/slides/slide4.xml><?xml version="1.0" encoding="utf-8"?>
+<p:sld xmlns:a="http://schemas.openxmlformats.org/drawingml/2006/main" xmlns:r="http://schemas.openxmlformats.org/officeDocument/2006/relationships" xmlns:p="http://schemas.openxmlformats.org/presentationml/2006/main">
+  <p:cSld>
+    <p:spTree>
+      <p:nvGrpSpPr>
+        <p:cNvPr id="1" name=""/>
+        <p:cNvGrpSpPr/>
+        <p:nvPr/>
+      </p:nvGrpSpPr>
+      <p:grpSpPr>
+        <a:xfrm>
+          <a:off x="0" y="0"/>
+          <a:ext cx="0" cy="0"/>
+          <a:chOff x="0" y="0"/>
+          <a:chExt cx="0" cy="0"/>
+        </a:xfrm>
+      </p:grpSpPr>
+      <p:sp>
+        <p:nvSpPr>
+          <p:cNvPr id="2" name="Title 1">
+            <a:extLst>
+              <a:ext uri="{FF2B5EF4-FFF2-40B4-BE49-F238E27FC236}">
+                <a16:creationId xmlns:a16="http://schemas.microsoft.com/office/drawing/2014/main" id="{ABED1DEE-86D0-93F2-7C0D-588C7E7CE456}"/>
+              </a:ext>
+            </a:extLst>
+          </p:cNvPr>
+          <p:cNvSpPr>
+            <a:spLocks noGrp="1"/>
+          </p:cNvSpPr>
+          <p:nvPr>
+            <p:ph type="title"/>
+          </p:nvPr>
+        </p:nvSpPr>
+        <p:spPr/>
+        <p:txBody>
+          <a:bodyPr/>
+          <a:lstStyle/>
+          <a:p>
+            <a:r>
+              <a:rPr lang="en-GB" dirty="0"/>
+              <a:t>Exploratory analysis</a:t>
+            </a:r>
+            <a:endParaRPr lang="en-PH" dirty="0"/>
+          </a:p>
+        </p:txBody>
+      </p:sp>
+      <p:sp>
+        <p:nvSpPr>
+          <p:cNvPr id="3" name="Content Placeholder 2">
+            <a:extLst>
+              <a:ext uri="{FF2B5EF4-FFF2-40B4-BE49-F238E27FC236}">
+                <a16:creationId xmlns:a16="http://schemas.microsoft.com/office/drawing/2014/main" id="{AC96875D-9CA2-3CFC-6B55-1E4722DDDD44}"/>
+              </a:ext>
+            </a:extLst>
+          </p:cNvPr>
+          <p:cNvSpPr>
+            <a:spLocks noGrp="1"/>
+          </p:cNvSpPr>
+          <p:nvPr>
+            <p:ph idx="1"/>
+          </p:nvPr>
+        </p:nvSpPr>
+        <p:spPr>
+          <a:xfrm>
+            <a:off x="838200" y="1623391"/>
+            <a:ext cx="10515600" cy="4553572"/>
+          </a:xfrm>
+        </p:spPr>
+        <p:txBody>
+          <a:bodyPr/>
+          <a:lstStyle/>
+          <a:p>
+            <a:pPr marL="0" indent="0">
+              <a:buNone/>
+            </a:pPr>
+            <a:r>
+              <a:rPr lang="en-GB" dirty="0"/>
+              <a:t>Best performing 2023 movies by revenue</a:t>
+            </a:r>
+          </a:p>
+          <a:p>
+            <a:pPr marL="0" indent="0">
+              <a:buNone/>
+            </a:pPr>
+            <a:endParaRPr lang="en-PH" dirty="0"/>
+          </a:p>
+        </p:txBody>
+      </p:sp>
+      <p:pic>
+        <p:nvPicPr>
+          <p:cNvPr id="7" name="Picture 6">
+            <a:extLst>
+              <a:ext uri="{FF2B5EF4-FFF2-40B4-BE49-F238E27FC236}">
+                <a16:creationId xmlns:a16="http://schemas.microsoft.com/office/drawing/2014/main" id="{5217D409-325D-08CF-BCDB-0BFD4CADFA2B}"/>
+              </a:ext>
+            </a:extLst>
+          </p:cNvPr>
+          <p:cNvPicPr>
+            <a:picLocks noChangeAspect="1"/>
+          </p:cNvPicPr>
+          <p:nvPr/>
+        </p:nvPicPr>
+        <p:blipFill>
+          <a:blip r:embed="rId2"/>
+          <a:stretch>
+            <a:fillRect/>
+          </a:stretch>
+        </p:blipFill>
+        <p:spPr>
+          <a:xfrm>
+            <a:off x="942161" y="2090174"/>
+            <a:ext cx="8507012" cy="3620005"/>
+          </a:xfrm>
+          <a:prstGeom prst="rect">
+            <a:avLst/>
+          </a:prstGeom>
+        </p:spPr>
+      </p:pic>
+    </p:spTree>
+    <p:extLst>
+      <p:ext uri="{BB962C8B-B14F-4D97-AF65-F5344CB8AC3E}">
+        <p14:creationId xmlns:p14="http://schemas.microsoft.com/office/powerpoint/2010/main" val="3885359430"/>
+      </p:ext>
+    </p:extLst>
+  </p:cSld>
+  <p:clrMapOvr>
+    <a:masterClrMapping/>
+  </p:clrMapOvr>
+</p:sld>
+</file>
+
+<file path=ppt/slides/slide5.xml><?xml version="1.0" encoding="utf-8"?>
+<p:sld xmlns:a="http://schemas.openxmlformats.org/drawingml/2006/main" xmlns:r="http://schemas.openxmlformats.org/officeDocument/2006/relationships" xmlns:p="http://schemas.openxmlformats.org/presentationml/2006/main">
+  <p:cSld>
+    <p:spTree>
+      <p:nvGrpSpPr>
+        <p:cNvPr id="1" name=""/>
+        <p:cNvGrpSpPr/>
+        <p:nvPr/>
+      </p:nvGrpSpPr>
+      <p:grpSpPr>
+        <a:xfrm>
+          <a:off x="0" y="0"/>
+          <a:ext cx="0" cy="0"/>
+          <a:chOff x="0" y="0"/>
+          <a:chExt cx="0" cy="0"/>
+        </a:xfrm>
+      </p:grpSpPr>
+      <p:sp>
+        <p:nvSpPr>
+          <p:cNvPr id="2" name="Title 1">
+            <a:extLst>
+              <a:ext uri="{FF2B5EF4-FFF2-40B4-BE49-F238E27FC236}">
+                <a16:creationId xmlns:a16="http://schemas.microsoft.com/office/drawing/2014/main" id="{9F5F720B-9D27-ADCB-0C72-2B6850118746}"/>
+              </a:ext>
+            </a:extLst>
+          </p:cNvPr>
+          <p:cNvSpPr>
+            <a:spLocks noGrp="1"/>
+          </p:cNvSpPr>
+          <p:nvPr>
+            <p:ph type="title"/>
+          </p:nvPr>
+        </p:nvSpPr>
+        <p:spPr/>
+        <p:txBody>
+          <a:bodyPr/>
+          <a:lstStyle/>
+          <a:p>
+            <a:r>
+              <a:rPr lang="en-GB" dirty="0"/>
+              <a:t>Exploratory analysis</a:t>
+            </a:r>
+            <a:endParaRPr lang="en-PH" dirty="0"/>
+          </a:p>
+        </p:txBody>
+      </p:sp>
+      <p:sp>
+        <p:nvSpPr>
+          <p:cNvPr id="3" name="Content Placeholder 2">
+            <a:extLst>
+              <a:ext uri="{FF2B5EF4-FFF2-40B4-BE49-F238E27FC236}">
+                <a16:creationId xmlns:a16="http://schemas.microsoft.com/office/drawing/2014/main" id="{3CE1CA23-347A-21FC-AB84-AE47F660F466}"/>
+              </a:ext>
+            </a:extLst>
+          </p:cNvPr>
+          <p:cNvSpPr>
+            <a:spLocks noGrp="1"/>
+          </p:cNvSpPr>
+          <p:nvPr>
+            <p:ph idx="1"/>
+          </p:nvPr>
+        </p:nvSpPr>
+        <p:spPr/>
+        <p:txBody>
+          <a:bodyPr/>
+          <a:lstStyle/>
+          <a:p>
+            <a:pPr marL="0" indent="0">
+              <a:buNone/>
+            </a:pPr>
+            <a:r>
+              <a:rPr lang="en-GB" dirty="0"/>
+              <a:t>Best performing 2023 movies by Bayesian average rating</a:t>
+            </a:r>
+          </a:p>
+          <a:p>
+            <a:pPr marL="0" indent="0">
+              <a:buNone/>
+            </a:pPr>
+            <a:endParaRPr lang="en-PH" dirty="0"/>
+          </a:p>
+        </p:txBody>
+      </p:sp>
+      <p:pic>
+        <p:nvPicPr>
+          <p:cNvPr id="5" name="Picture 4">
+            <a:extLst>
+              <a:ext uri="{FF2B5EF4-FFF2-40B4-BE49-F238E27FC236}">
+                <a16:creationId xmlns:a16="http://schemas.microsoft.com/office/drawing/2014/main" id="{64B0A57B-CEF1-314B-EB30-C1087B6C3646}"/>
+              </a:ext>
+            </a:extLst>
+          </p:cNvPr>
+          <p:cNvPicPr>
+            <a:picLocks noChangeAspect="1"/>
+          </p:cNvPicPr>
+          <p:nvPr/>
+        </p:nvPicPr>
+        <p:blipFill>
+          <a:blip r:embed="rId2"/>
+          <a:stretch>
+            <a:fillRect/>
+          </a:stretch>
+        </p:blipFill>
+        <p:spPr>
+          <a:xfrm>
+            <a:off x="838200" y="2345975"/>
+            <a:ext cx="9116697" cy="3600953"/>
+          </a:xfrm>
+          <a:prstGeom prst="rect">
+            <a:avLst/>
+          </a:prstGeom>
+        </p:spPr>
+      </p:pic>
+    </p:spTree>
+    <p:extLst>
+      <p:ext uri="{BB962C8B-B14F-4D97-AF65-F5344CB8AC3E}">
+        <p14:creationId xmlns:p14="http://schemas.microsoft.com/office/powerpoint/2010/main" val="2420122199"/>
+      </p:ext>
+    </p:extLst>
+  </p:cSld>
+  <p:clrMapOvr>
+    <a:masterClrMapping/>
+  </p:clrMapOvr>
+</p:sld>
+</file>
+
+<file path=ppt/slides/slide6.xml><?xml version="1.0" encoding="utf-8"?>
+<p:sld xmlns:a="http://schemas.openxmlformats.org/drawingml/2006/main" xmlns:r="http://schemas.openxmlformats.org/officeDocument/2006/relationships" xmlns:p="http://schemas.openxmlformats.org/presentationml/2006/main">
+  <p:cSld>
+    <p:spTree>
+      <p:nvGrpSpPr>
+        <p:cNvPr id="1" name=""/>
+        <p:cNvGrpSpPr/>
+        <p:nvPr/>
+      </p:nvGrpSpPr>
+      <p:grpSpPr>
+        <a:xfrm>
+          <a:off x="0" y="0"/>
+          <a:ext cx="0" cy="0"/>
+          <a:chOff x="0" y="0"/>
+          <a:chExt cx="0" cy="0"/>
+        </a:xfrm>
+      </p:grpSpPr>
+      <p:sp>
+        <p:nvSpPr>
+          <p:cNvPr id="2" name="Title 1">
+            <a:extLst>
+              <a:ext uri="{FF2B5EF4-FFF2-40B4-BE49-F238E27FC236}">
+                <a16:creationId xmlns:a16="http://schemas.microsoft.com/office/drawing/2014/main" id="{473A4AC4-D062-5C26-80C6-7563F6A5A70F}"/>
+              </a:ext>
+            </a:extLst>
+          </p:cNvPr>
+          <p:cNvSpPr>
+            <a:spLocks noGrp="1"/>
+          </p:cNvSpPr>
+          <p:nvPr>
+            <p:ph type="title"/>
+          </p:nvPr>
+        </p:nvSpPr>
+        <p:spPr/>
+        <p:txBody>
+          <a:bodyPr/>
+          <a:lstStyle/>
+          <a:p>
+            <a:r>
+              <a:rPr lang="en-GB" dirty="0"/>
+              <a:t>Exploratory analysis</a:t>
+            </a:r>
+            <a:endParaRPr lang="en-PH" dirty="0"/>
+          </a:p>
+        </p:txBody>
+      </p:sp>
+      <p:sp>
+        <p:nvSpPr>
+          <p:cNvPr id="3" name="Content Placeholder 2">
+            <a:extLst>
+              <a:ext uri="{FF2B5EF4-FFF2-40B4-BE49-F238E27FC236}">
+                <a16:creationId xmlns:a16="http://schemas.microsoft.com/office/drawing/2014/main" id="{D69141A4-BAB3-75BB-7263-A8321FD8387F}"/>
+              </a:ext>
+            </a:extLst>
+          </p:cNvPr>
+          <p:cNvSpPr>
+            <a:spLocks noGrp="1"/>
+          </p:cNvSpPr>
+          <p:nvPr>
+            <p:ph idx="1"/>
+          </p:nvPr>
+        </p:nvSpPr>
+        <p:spPr>
+          <a:xfrm>
+            <a:off x="838200" y="1821765"/>
+            <a:ext cx="3424311" cy="4355197"/>
+          </a:xfrm>
+        </p:spPr>
+        <p:txBody>
+          <a:bodyPr/>
+          <a:lstStyle/>
+          <a:p>
+            <a:pPr marL="0" indent="0">
+              <a:buNone/>
+            </a:pPr>
+            <a:r>
+              <a:rPr lang="en-GB" dirty="0"/>
+              <a:t>Top actors in 2023 movie revenue</a:t>
+            </a:r>
+          </a:p>
+          <a:p>
+            <a:pPr marL="0" indent="0">
+              <a:buNone/>
+            </a:pPr>
+            <a:endParaRPr lang="en-GB" dirty="0"/>
+          </a:p>
+          <a:p>
+            <a:pPr marL="0" indent="0">
+              <a:buNone/>
+            </a:pPr>
+            <a:r>
+              <a:rPr lang="en-GB" dirty="0"/>
+              <a:t>Notice a lot of these actors were in Barbie and Super Mario</a:t>
+            </a:r>
+          </a:p>
+          <a:p>
+            <a:pPr marL="0" indent="0">
+              <a:buNone/>
+            </a:pPr>
+            <a:endParaRPr lang="en-PH" dirty="0"/>
+          </a:p>
+        </p:txBody>
+      </p:sp>
+      <p:pic>
+        <p:nvPicPr>
+          <p:cNvPr id="5" name="Picture 4">
+            <a:extLst>
+              <a:ext uri="{FF2B5EF4-FFF2-40B4-BE49-F238E27FC236}">
+                <a16:creationId xmlns:a16="http://schemas.microsoft.com/office/drawing/2014/main" id="{42167BEE-E3A6-DFC8-86C1-7C2834E79A38}"/>
+              </a:ext>
+            </a:extLst>
+          </p:cNvPr>
+          <p:cNvPicPr>
+            <a:picLocks noChangeAspect="1"/>
+          </p:cNvPicPr>
+          <p:nvPr/>
+        </p:nvPicPr>
+        <p:blipFill>
+          <a:blip r:embed="rId2"/>
+          <a:stretch>
+            <a:fillRect/>
+          </a:stretch>
+        </p:blipFill>
+        <p:spPr>
+          <a:xfrm>
+            <a:off x="4731024" y="1248690"/>
+            <a:ext cx="6555967" cy="5501346"/>
+          </a:xfrm>
+          <a:prstGeom prst="rect">
+            <a:avLst/>
+          </a:prstGeom>
+        </p:spPr>
+      </p:pic>
+    </p:spTree>
+    <p:extLst>
+      <p:ext uri="{BB962C8B-B14F-4D97-AF65-F5344CB8AC3E}">
+        <p14:creationId xmlns:p14="http://schemas.microsoft.com/office/powerpoint/2010/main" val="3778860030"/>
+      </p:ext>
+    </p:extLst>
+  </p:cSld>
+  <p:clrMapOvr>
+    <a:masterClrMapping/>
+  </p:clrMapOvr>
+</p:sld>
+</file>
+
+<file path=ppt/slides/slide7.xml><?xml version="1.0" encoding="utf-8"?>
+<p:sld xmlns:a="http://schemas.openxmlformats.org/drawingml/2006/main" xmlns:r="http://schemas.openxmlformats.org/officeDocument/2006/relationships" xmlns:p="http://schemas.openxmlformats.org/presentationml/2006/main">
+  <p:cSld>
+    <p:spTree>
+      <p:nvGrpSpPr>
+        <p:cNvPr id="1" name=""/>
+        <p:cNvGrpSpPr/>
+        <p:nvPr/>
+      </p:nvGrpSpPr>
+      <p:grpSpPr>
+        <a:xfrm>
+          <a:off x="0" y="0"/>
+          <a:ext cx="0" cy="0"/>
+          <a:chOff x="0" y="0"/>
+          <a:chExt cx="0" cy="0"/>
+        </a:xfrm>
+      </p:grpSpPr>
+      <p:sp>
+        <p:nvSpPr>
+          <p:cNvPr id="2" name="Title 1">
+            <a:extLst>
+              <a:ext uri="{FF2B5EF4-FFF2-40B4-BE49-F238E27FC236}">
+                <a16:creationId xmlns:a16="http://schemas.microsoft.com/office/drawing/2014/main" id="{2B18127C-DF06-657E-F491-D8670904741D}"/>
+              </a:ext>
+            </a:extLst>
+          </p:cNvPr>
+          <p:cNvSpPr>
+            <a:spLocks noGrp="1"/>
+          </p:cNvSpPr>
+          <p:nvPr>
+            <p:ph type="title"/>
+          </p:nvPr>
+        </p:nvSpPr>
+        <p:spPr>
+          <a:xfrm>
+            <a:off x="838200" y="365126"/>
+            <a:ext cx="10515600" cy="1059484"/>
+          </a:xfrm>
+        </p:spPr>
+        <p:txBody>
+          <a:bodyPr/>
+          <a:lstStyle/>
+          <a:p>
+            <a:r>
+              <a:rPr lang="en-GB" dirty="0"/>
+              <a:t>Exploratory analysis</a:t>
+            </a:r>
+            <a:endParaRPr lang="en-PH" dirty="0"/>
+          </a:p>
+        </p:txBody>
+      </p:sp>
+      <p:sp>
+        <p:nvSpPr>
+          <p:cNvPr id="3" name="Content Placeholder 2">
+            <a:extLst>
+              <a:ext uri="{FF2B5EF4-FFF2-40B4-BE49-F238E27FC236}">
+                <a16:creationId xmlns:a16="http://schemas.microsoft.com/office/drawing/2014/main" id="{B578A74F-D71A-1AC7-5180-F93BC7916B3B}"/>
+              </a:ext>
+            </a:extLst>
+          </p:cNvPr>
+          <p:cNvSpPr>
+            <a:spLocks noGrp="1"/>
+          </p:cNvSpPr>
+          <p:nvPr>
+            <p:ph idx="1"/>
+          </p:nvPr>
+        </p:nvSpPr>
+        <p:spPr>
+          <a:xfrm>
+            <a:off x="838200" y="1424610"/>
+            <a:ext cx="10515600" cy="4752353"/>
+          </a:xfrm>
+        </p:spPr>
+        <p:txBody>
+          <a:bodyPr>
+            <a:normAutofit/>
+          </a:bodyPr>
+          <a:lstStyle/>
+          <a:p>
+            <a:pPr marL="0" indent="0">
+              <a:buNone/>
+            </a:pPr>
+            <a:r>
+              <a:rPr lang="en-GB" sz="2000" dirty="0"/>
+              <a:t>For movie trends, we can examine the top 3 genres by revenue for every 5-year period</a:t>
+            </a:r>
+            <a:endParaRPr lang="en-PH" sz="2000" dirty="0"/>
+          </a:p>
+        </p:txBody>
+      </p:sp>
+      <p:pic>
+        <p:nvPicPr>
+          <p:cNvPr id="9" name="Picture 8">
+            <a:extLst>
+              <a:ext uri="{FF2B5EF4-FFF2-40B4-BE49-F238E27FC236}">
+                <a16:creationId xmlns:a16="http://schemas.microsoft.com/office/drawing/2014/main" id="{BCE8BA6E-1C8E-49E1-4CA0-D0F05A646595}"/>
+              </a:ext>
+            </a:extLst>
+          </p:cNvPr>
+          <p:cNvPicPr>
+            <a:picLocks noChangeAspect="1"/>
+          </p:cNvPicPr>
+          <p:nvPr/>
+        </p:nvPicPr>
+        <p:blipFill>
+          <a:blip r:embed="rId2"/>
+          <a:stretch>
+            <a:fillRect/>
+          </a:stretch>
+        </p:blipFill>
+        <p:spPr>
+          <a:xfrm>
+            <a:off x="949772" y="1808332"/>
+            <a:ext cx="2483668" cy="4684542"/>
+          </a:xfrm>
+          <a:prstGeom prst="rect">
+            <a:avLst/>
+          </a:prstGeom>
+        </p:spPr>
+      </p:pic>
+      <p:pic>
+        <p:nvPicPr>
+          <p:cNvPr id="11" name="Picture 10">
+            <a:extLst>
+              <a:ext uri="{FF2B5EF4-FFF2-40B4-BE49-F238E27FC236}">
+                <a16:creationId xmlns:a16="http://schemas.microsoft.com/office/drawing/2014/main" id="{2AAD0F65-FFF5-37E1-A8F6-41A2EA2B5817}"/>
+              </a:ext>
+            </a:extLst>
+          </p:cNvPr>
+          <p:cNvPicPr>
+            <a:picLocks noChangeAspect="1"/>
+          </p:cNvPicPr>
+          <p:nvPr/>
+        </p:nvPicPr>
+        <p:blipFill>
+          <a:blip r:embed="rId3"/>
+          <a:stretch>
+            <a:fillRect/>
+          </a:stretch>
+        </p:blipFill>
+        <p:spPr>
+          <a:xfrm>
+            <a:off x="3701248" y="1808332"/>
+            <a:ext cx="2733774" cy="4684542"/>
+          </a:xfrm>
+          <a:prstGeom prst="rect">
+            <a:avLst/>
+          </a:prstGeom>
+        </p:spPr>
+      </p:pic>
+      <p:pic>
+        <p:nvPicPr>
+          <p:cNvPr id="13" name="Picture 12">
+            <a:extLst>
+              <a:ext uri="{FF2B5EF4-FFF2-40B4-BE49-F238E27FC236}">
+                <a16:creationId xmlns:a16="http://schemas.microsoft.com/office/drawing/2014/main" id="{506A7BB6-47BA-0B62-D0C8-1480BD8B5E33}"/>
+              </a:ext>
+            </a:extLst>
+          </p:cNvPr>
+          <p:cNvPicPr>
+            <a:picLocks noChangeAspect="1"/>
+          </p:cNvPicPr>
+          <p:nvPr/>
+        </p:nvPicPr>
+        <p:blipFill>
+          <a:blip r:embed="rId4"/>
+          <a:stretch>
+            <a:fillRect/>
+          </a:stretch>
+        </p:blipFill>
+        <p:spPr>
+          <a:xfrm>
+            <a:off x="6702830" y="1808332"/>
+            <a:ext cx="3392492" cy="4107133"/>
+          </a:xfrm>
+          <a:prstGeom prst="rect">
+            <a:avLst/>
+          </a:prstGeom>
+        </p:spPr>
+      </p:pic>
+    </p:spTree>
+    <p:extLst>
+      <p:ext uri="{BB962C8B-B14F-4D97-AF65-F5344CB8AC3E}">
+        <p14:creationId xmlns:p14="http://schemas.microsoft.com/office/powerpoint/2010/main" val="1642656927"/>
+      </p:ext>
+    </p:extLst>
+  </p:cSld>
+  <p:clrMapOvr>
+    <a:masterClrMapping/>
+  </p:clrMapOvr>
+</p:sld>
+</file>
+
+<file path=ppt/slides/slide8.xml><?xml version="1.0" encoding="utf-8"?>
+<p:sld xmlns:a="http://schemas.openxmlformats.org/drawingml/2006/main" xmlns:r="http://schemas.openxmlformats.org/officeDocument/2006/relationships" xmlns:p="http://schemas.openxmlformats.org/presentationml/2006/main">
+  <p:cSld>
+    <p:spTree>
+      <p:nvGrpSpPr>
+        <p:cNvPr id="1" name=""/>
+        <p:cNvGrpSpPr/>
+        <p:nvPr/>
+      </p:nvGrpSpPr>
+      <p:grpSpPr>
+        <a:xfrm>
+          <a:off x="0" y="0"/>
+          <a:ext cx="0" cy="0"/>
+          <a:chOff x="0" y="0"/>
+          <a:chExt cx="0" cy="0"/>
+        </a:xfrm>
+      </p:grpSpPr>
+      <p:sp>
+        <p:nvSpPr>
+          <p:cNvPr id="2" name="Title 1">
+            <a:extLst>
+              <a:ext uri="{FF2B5EF4-FFF2-40B4-BE49-F238E27FC236}">
+                <a16:creationId xmlns:a16="http://schemas.microsoft.com/office/drawing/2014/main" id="{690D99AE-1251-B9DF-1604-A459F16C10D5}"/>
+              </a:ext>
+            </a:extLst>
+          </p:cNvPr>
+          <p:cNvSpPr>
+            <a:spLocks noGrp="1"/>
+          </p:cNvSpPr>
+          <p:nvPr>
+            <p:ph type="title"/>
+          </p:nvPr>
+        </p:nvSpPr>
+        <p:spPr/>
+        <p:txBody>
+          <a:bodyPr/>
+          <a:lstStyle/>
+          <a:p>
+            <a:r>
+              <a:rPr lang="en-GB" dirty="0"/>
+              <a:t>Our prediction model</a:t>
+            </a:r>
+            <a:endParaRPr lang="en-PH" dirty="0"/>
+          </a:p>
+        </p:txBody>
+      </p:sp>
+      <p:sp>
+        <p:nvSpPr>
+          <p:cNvPr id="3" name="Content Placeholder 2">
+            <a:extLst>
+              <a:ext uri="{FF2B5EF4-FFF2-40B4-BE49-F238E27FC236}">
+                <a16:creationId xmlns:a16="http://schemas.microsoft.com/office/drawing/2014/main" id="{79D481F7-5E4B-CA35-3C0F-794BECFB4C75}"/>
+              </a:ext>
+            </a:extLst>
+          </p:cNvPr>
+          <p:cNvSpPr>
+            <a:spLocks noGrp="1"/>
+          </p:cNvSpPr>
+          <p:nvPr>
+            <p:ph idx="1"/>
+          </p:nvPr>
+        </p:nvSpPr>
+        <p:spPr>
+          <a:xfrm>
+            <a:off x="838200" y="1825624"/>
+            <a:ext cx="10515600" cy="4734201"/>
+          </a:xfrm>
+        </p:spPr>
+        <p:txBody>
+          <a:bodyPr>
+            <a:normAutofit/>
+          </a:bodyPr>
+          <a:lstStyle/>
+          <a:p>
+            <a:pPr marL="0" indent="0">
+              <a:buNone/>
+            </a:pPr>
+            <a:r>
+              <a:rPr lang="en-GB" dirty="0"/>
+              <a:t>We try to predict the revenue using various features:</a:t>
+            </a:r>
+          </a:p>
+          <a:p>
+            <a:r>
+              <a:rPr lang="en-GB" dirty="0"/>
+              <a:t>Year, week number, day of year, runtime</a:t>
+            </a:r>
+          </a:p>
+          <a:p>
+            <a:r>
+              <a:rPr lang="en-GB" dirty="0"/>
+              <a:t>Genres -&gt; exploded and one-hot encoded</a:t>
+            </a:r>
+          </a:p>
+          <a:p>
+            <a:r>
+              <a:rPr lang="en-GB" dirty="0"/>
+              <a:t>Original language -&gt; one-hot encoded</a:t>
+            </a:r>
+          </a:p>
+          <a:p>
+            <a:r>
+              <a:rPr lang="en-GB" dirty="0"/>
+              <a:t>IMDb ratings average, ratings count, average revenue, total revenue and number of titles for:</a:t>
+            </a:r>
+          </a:p>
+          <a:p>
+            <a:pPr lvl="1"/>
+            <a:r>
+              <a:rPr lang="en-GB" dirty="0"/>
+              <a:t>The top director (in revenue)</a:t>
+            </a:r>
+          </a:p>
+          <a:p>
+            <a:pPr lvl="1"/>
+            <a:r>
+              <a:rPr lang="en-GB" dirty="0"/>
+              <a:t>The top writer (in revenue)</a:t>
+            </a:r>
+          </a:p>
+          <a:p>
+            <a:pPr lvl="1"/>
+            <a:r>
+              <a:rPr lang="en-PH" dirty="0"/>
+              <a:t>The top company (in revenue)</a:t>
+            </a:r>
+            <a:endParaRPr lang="en-GB" dirty="0"/>
+          </a:p>
+          <a:p>
+            <a:pPr lvl="1"/>
+            <a:r>
+              <a:rPr lang="en-GB" dirty="0"/>
+              <a:t>The top 2 actors and all actors in aggregate</a:t>
+            </a:r>
+          </a:p>
+        </p:txBody>
+      </p:sp>
+    </p:spTree>
+    <p:extLst>
+      <p:ext uri="{BB962C8B-B14F-4D97-AF65-F5344CB8AC3E}">
+        <p14:creationId xmlns:p14="http://schemas.microsoft.com/office/powerpoint/2010/main" val="1807148362"/>
+      </p:ext>
+    </p:extLst>
+  </p:cSld>
+  <p:clrMapOvr>
+    <a:masterClrMapping/>
+  </p:clrMapOvr>
+</p:sld>
+</file>
+
+<file path=ppt/slides/slide9.xml><?xml version="1.0" encoding="utf-8"?>
+<p:sld xmlns:a="http://schemas.openxmlformats.org/drawingml/2006/main" xmlns:r="http://schemas.openxmlformats.org/officeDocument/2006/relationships" xmlns:p="http://schemas.openxmlformats.org/presentationml/2006/main">
+  <p:cSld>
+    <p:spTree>
+      <p:nvGrpSpPr>
+        <p:cNvPr id="1" name=""/>
+        <p:cNvGrpSpPr/>
+        <p:nvPr/>
+      </p:nvGrpSpPr>
+      <p:grpSpPr>
+        <a:xfrm>
+          <a:off x="0" y="0"/>
+          <a:ext cx="0" cy="0"/>
+          <a:chOff x="0" y="0"/>
+          <a:chExt cx="0" cy="0"/>
+        </a:xfrm>
+      </p:grpSpPr>
+      <p:sp>
+        <p:nvSpPr>
+          <p:cNvPr id="2" name="Title 1">
+            <a:extLst>
+              <a:ext uri="{FF2B5EF4-FFF2-40B4-BE49-F238E27FC236}">
+                <a16:creationId xmlns:a16="http://schemas.microsoft.com/office/drawing/2014/main" id="{C2DDBDEC-6F74-0B44-A38E-F98C0CF0935E}"/>
+              </a:ext>
+            </a:extLst>
+          </p:cNvPr>
+          <p:cNvSpPr>
+            <a:spLocks noGrp="1"/>
+          </p:cNvSpPr>
+          <p:nvPr>
+            <p:ph type="title"/>
+          </p:nvPr>
+        </p:nvSpPr>
+        <p:spPr/>
+        <p:txBody>
+          <a:bodyPr/>
+          <a:lstStyle/>
+          <a:p>
+            <a:r>
+              <a:rPr lang="en-GB" dirty="0" err="1"/>
+              <a:t>XGBoost</a:t>
+            </a:r>
+            <a:r>
+              <a:rPr lang="en-GB" dirty="0"/>
+              <a:t> Model</a:t>
+            </a:r>
+            <a:endParaRPr lang="en-PH" dirty="0"/>
+          </a:p>
+        </p:txBody>
+      </p:sp>
+      <p:sp>
+        <p:nvSpPr>
+          <p:cNvPr id="3" name="Content Placeholder 2">
+            <a:extLst>
+              <a:ext uri="{FF2B5EF4-FFF2-40B4-BE49-F238E27FC236}">
+                <a16:creationId xmlns:a16="http://schemas.microsoft.com/office/drawing/2014/main" id="{26F6857F-6BB8-B94A-8ABC-51F124574E8E}"/>
+              </a:ext>
+            </a:extLst>
+          </p:cNvPr>
+          <p:cNvSpPr>
+            <a:spLocks noGrp="1"/>
+          </p:cNvSpPr>
+          <p:nvPr>
+            <p:ph idx="1"/>
+          </p:nvPr>
+        </p:nvSpPr>
+        <p:spPr/>
+        <p:txBody>
+          <a:bodyPr/>
+          <a:lstStyle/>
+          <a:p>
+            <a:r>
+              <a:rPr lang="en-GB" dirty="0"/>
+              <a:t>We chose the below hyperparameters. Given more time, we could have done Bayesian optimization on them</a:t>
+            </a:r>
+          </a:p>
+          <a:p>
+            <a:pPr marL="0" indent="0">
+              <a:buNone/>
+            </a:pPr>
+            <a:endParaRPr lang="en-GB" dirty="0"/>
+          </a:p>
+          <a:p>
+            <a:pPr marL="0" indent="0">
+              <a:buNone/>
+            </a:pPr>
+            <a:endParaRPr lang="en-GB" dirty="0"/>
+          </a:p>
+          <a:p>
+            <a:pPr marL="0" indent="0">
+              <a:buNone/>
+            </a:pPr>
+            <a:endParaRPr lang="en-GB" dirty="0"/>
+          </a:p>
+          <a:p>
+            <a:pPr marL="0" indent="0">
+              <a:buNone/>
+            </a:pPr>
+            <a:endParaRPr lang="en-GB" dirty="0"/>
+          </a:p>
+          <a:p>
+            <a:r>
+              <a:rPr lang="en-GB" dirty="0"/>
+              <a:t>The model resulted in R</a:t>
+            </a:r>
+            <a:r>
+              <a:rPr lang="en-GB" baseline="30000" dirty="0"/>
+              <a:t>2</a:t>
+            </a:r>
+            <a:r>
+              <a:rPr lang="en-GB" dirty="0"/>
+              <a:t> of </a:t>
+            </a:r>
+            <a:r>
+              <a:rPr lang="en-GB" b="1" dirty="0"/>
+              <a:t>0.89!</a:t>
+            </a:r>
+            <a:endParaRPr lang="en-PH" b="1" dirty="0"/>
+          </a:p>
+        </p:txBody>
+      </p:sp>
+      <p:pic>
+        <p:nvPicPr>
+          <p:cNvPr id="5" name="Picture 4">
+            <a:extLst>
+              <a:ext uri="{FF2B5EF4-FFF2-40B4-BE49-F238E27FC236}">
+                <a16:creationId xmlns:a16="http://schemas.microsoft.com/office/drawing/2014/main" id="{123DDBE6-7383-F952-14F3-9320D374BE7A}"/>
+              </a:ext>
+            </a:extLst>
+          </p:cNvPr>
+          <p:cNvPicPr>
+            <a:picLocks noChangeAspect="1"/>
+          </p:cNvPicPr>
+          <p:nvPr/>
+        </p:nvPicPr>
+        <p:blipFill>
+          <a:blip r:embed="rId2"/>
+          <a:stretch>
+            <a:fillRect/>
+          </a:stretch>
+        </p:blipFill>
+        <p:spPr>
+          <a:xfrm>
+            <a:off x="4086389" y="2717806"/>
+            <a:ext cx="3581900" cy="1886213"/>
+          </a:xfrm>
+          <a:prstGeom prst="rect">
+            <a:avLst/>
+          </a:prstGeom>
+        </p:spPr>
+      </p:pic>
+    </p:spTree>
+    <p:extLst>
+      <p:ext uri="{BB962C8B-B14F-4D97-AF65-F5344CB8AC3E}">
+        <p14:creationId xmlns:p14="http://schemas.microsoft.com/office/powerpoint/2010/main" val="3775430481"/>
       </p:ext>
     </p:extLst>
   </p:cSld>
